--- a/ArtigoTNA.pptx
+++ b/ArtigoTNA.pptx
@@ -209,7 +209,7 @@
             <a:fld id="{ACCC0F2D-D329-4AA2-AE36-CDD9D652069A}" type="datetimeFigureOut">
               <a:rPr lang="pt-BR" smtClean="0"/>
               <a:pPr/>
-              <a:t>29/06/2021</a:t>
+              <a:t>30/06/2021</a:t>
             </a:fld>
             <a:endParaRPr lang="pt-BR" dirty="0"/>
           </a:p>
@@ -719,7 +719,7 @@
             <a:fld id="{FCD35834-300D-4B12-BCA4-BEC6CBCD62BF}" type="datetimeFigureOut">
               <a:rPr lang="pt-BR" smtClean="0"/>
               <a:pPr/>
-              <a:t>29/06/2021</a:t>
+              <a:t>30/06/2021</a:t>
             </a:fld>
             <a:endParaRPr lang="pt-BR" dirty="0"/>
           </a:p>
@@ -919,7 +919,7 @@
             <a:fld id="{FCD35834-300D-4B12-BCA4-BEC6CBCD62BF}" type="datetimeFigureOut">
               <a:rPr lang="pt-BR" smtClean="0"/>
               <a:pPr/>
-              <a:t>29/06/2021</a:t>
+              <a:t>30/06/2021</a:t>
             </a:fld>
             <a:endParaRPr lang="pt-BR" dirty="0"/>
           </a:p>
@@ -1129,7 +1129,7 @@
             <a:fld id="{FCD35834-300D-4B12-BCA4-BEC6CBCD62BF}" type="datetimeFigureOut">
               <a:rPr lang="pt-BR" smtClean="0"/>
               <a:pPr/>
-              <a:t>29/06/2021</a:t>
+              <a:t>30/06/2021</a:t>
             </a:fld>
             <a:endParaRPr lang="pt-BR" dirty="0"/>
           </a:p>
@@ -1329,7 +1329,7 @@
             <a:fld id="{FCD35834-300D-4B12-BCA4-BEC6CBCD62BF}" type="datetimeFigureOut">
               <a:rPr lang="pt-BR" smtClean="0"/>
               <a:pPr/>
-              <a:t>29/06/2021</a:t>
+              <a:t>30/06/2021</a:t>
             </a:fld>
             <a:endParaRPr lang="pt-BR" dirty="0"/>
           </a:p>
@@ -1606,7 +1606,7 @@
             <a:fld id="{FCD35834-300D-4B12-BCA4-BEC6CBCD62BF}" type="datetimeFigureOut">
               <a:rPr lang="pt-BR" smtClean="0"/>
               <a:pPr/>
-              <a:t>29/06/2021</a:t>
+              <a:t>30/06/2021</a:t>
             </a:fld>
             <a:endParaRPr lang="pt-BR" dirty="0"/>
           </a:p>
@@ -1873,7 +1873,7 @@
             <a:fld id="{FCD35834-300D-4B12-BCA4-BEC6CBCD62BF}" type="datetimeFigureOut">
               <a:rPr lang="pt-BR" smtClean="0"/>
               <a:pPr/>
-              <a:t>29/06/2021</a:t>
+              <a:t>30/06/2021</a:t>
             </a:fld>
             <a:endParaRPr lang="pt-BR" dirty="0"/>
           </a:p>
@@ -2287,7 +2287,7 @@
             <a:fld id="{FCD35834-300D-4B12-BCA4-BEC6CBCD62BF}" type="datetimeFigureOut">
               <a:rPr lang="pt-BR" smtClean="0"/>
               <a:pPr/>
-              <a:t>29/06/2021</a:t>
+              <a:t>30/06/2021</a:t>
             </a:fld>
             <a:endParaRPr lang="pt-BR" dirty="0"/>
           </a:p>
@@ -2430,7 +2430,7 @@
             <a:fld id="{FCD35834-300D-4B12-BCA4-BEC6CBCD62BF}" type="datetimeFigureOut">
               <a:rPr lang="pt-BR" smtClean="0"/>
               <a:pPr/>
-              <a:t>29/06/2021</a:t>
+              <a:t>30/06/2021</a:t>
             </a:fld>
             <a:endParaRPr lang="pt-BR" dirty="0"/>
           </a:p>
@@ -2545,7 +2545,7 @@
             <a:fld id="{FCD35834-300D-4B12-BCA4-BEC6CBCD62BF}" type="datetimeFigureOut">
               <a:rPr lang="pt-BR" smtClean="0"/>
               <a:pPr/>
-              <a:t>29/06/2021</a:t>
+              <a:t>30/06/2021</a:t>
             </a:fld>
             <a:endParaRPr lang="pt-BR" dirty="0"/>
           </a:p>
@@ -2858,7 +2858,7 @@
             <a:fld id="{FCD35834-300D-4B12-BCA4-BEC6CBCD62BF}" type="datetimeFigureOut">
               <a:rPr lang="pt-BR" smtClean="0"/>
               <a:pPr/>
-              <a:t>29/06/2021</a:t>
+              <a:t>30/06/2021</a:t>
             </a:fld>
             <a:endParaRPr lang="pt-BR" dirty="0"/>
           </a:p>
@@ -3148,7 +3148,7 @@
             <a:fld id="{FCD35834-300D-4B12-BCA4-BEC6CBCD62BF}" type="datetimeFigureOut">
               <a:rPr lang="pt-BR" smtClean="0"/>
               <a:pPr/>
-              <a:t>29/06/2021</a:t>
+              <a:t>30/06/2021</a:t>
             </a:fld>
             <a:endParaRPr lang="pt-BR" dirty="0"/>
           </a:p>
@@ -3391,7 +3391,7 @@
             <a:fld id="{FCD35834-300D-4B12-BCA4-BEC6CBCD62BF}" type="datetimeFigureOut">
               <a:rPr lang="pt-BR" smtClean="0"/>
               <a:pPr/>
-              <a:t>29/06/2021</a:t>
+              <a:t>30/06/2021</a:t>
             </a:fld>
             <a:endParaRPr lang="pt-BR" dirty="0"/>
           </a:p>
@@ -3835,7 +3835,7 @@
         </p:nvSpPr>
         <p:spPr bwMode="auto">
           <a:xfrm>
-            <a:off x="1085219" y="27470155"/>
+            <a:off x="1085219" y="27648991"/>
             <a:ext cx="15148800" cy="14938832"/>
           </a:xfrm>
           <a:prstGeom prst="rect">
@@ -3869,7 +3869,7 @@
             </a:r>
           </a:p>
           <a:p>
-            <a:pPr defTabSz="699451">
+            <a:pPr algn="just" defTabSz="699451">
               <a:lnSpc>
                 <a:spcPct val="150000"/>
               </a:lnSpc>
@@ -4236,7 +4236,7 @@
         </p:nvSpPr>
         <p:spPr bwMode="auto">
           <a:xfrm>
-            <a:off x="1050843" y="9402771"/>
+            <a:off x="861940" y="9214943"/>
             <a:ext cx="15148801" cy="10229851"/>
           </a:xfrm>
           <a:prstGeom prst="rect">
@@ -4256,7 +4256,7 @@
           </a:bodyPr>
           <a:lstStyle/>
           <a:p>
-            <a:pPr defTabSz="699451">
+            <a:pPr algn="just" defTabSz="699451">
               <a:lnSpc>
                 <a:spcPct val="150000"/>
               </a:lnSpc>
@@ -4437,7 +4437,7 @@
         </p:nvSpPr>
         <p:spPr bwMode="auto">
           <a:xfrm>
-            <a:off x="1085218" y="19681584"/>
+            <a:off x="883701" y="19681584"/>
             <a:ext cx="15603975" cy="6628865"/>
           </a:xfrm>
           <a:prstGeom prst="rect">
@@ -4457,7 +4457,7 @@
           </a:bodyPr>
           <a:lstStyle/>
           <a:p>
-            <a:pPr>
+            <a:pPr algn="just">
               <a:lnSpc>
                 <a:spcPct val="150000"/>
               </a:lnSpc>
@@ -4468,7 +4468,7 @@
             </a:r>
           </a:p>
           <a:p>
-            <a:pPr>
+            <a:pPr algn="just">
               <a:lnSpc>
                 <a:spcPct val="150000"/>
               </a:lnSpc>
@@ -4656,7 +4656,7 @@
           </a:bodyPr>
           <a:lstStyle/>
           <a:p>
-            <a:pPr defTabSz="699451">
+            <a:pPr algn="just" defTabSz="699451">
               <a:lnSpc>
                 <a:spcPct val="150000"/>
               </a:lnSpc>
@@ -5352,7 +5352,7 @@
         </p:nvSpPr>
         <p:spPr>
           <a:xfrm>
-            <a:off x="16775708" y="19502100"/>
+            <a:off x="16703700" y="19502100"/>
             <a:ext cx="15233406" cy="10809434"/>
           </a:xfrm>
           <a:prstGeom prst="rect">
@@ -5538,7 +5538,7 @@
         </p:blipFill>
         <p:spPr>
           <a:xfrm>
-            <a:off x="5614468" y="33553647"/>
+            <a:off x="5614468" y="33832834"/>
             <a:ext cx="5408861" cy="1809045"/>
           </a:xfrm>
           <a:prstGeom prst="rect">
